--- a/.github/workflows/AWS Data Flow Diagram.pptx
+++ b/.github/workflows/AWS Data Flow Diagram.pptx
@@ -104,32 +104,349 @@
       </a:defRPr>
     </a:lvl9pPr>
   </p:defaultTextStyle>
+  <p:extLst>
+    <p:ext uri="{EFAFB233-063F-42B5-8137-9DF3F51BA10A}">
+      <p15:sldGuideLst xmlns:p15="http://schemas.microsoft.com/office/powerpoint/2012/main"/>
+    </p:ext>
+  </p:extLst>
 </p:presentation>
+</file>
+
+<file path=ppt/revisionInfo.xml><?xml version="1.0" encoding="utf-8"?>
+<p1510:revInfo xmlns:a="http://schemas.openxmlformats.org/drawingml/2006/main" xmlns:r="http://schemas.openxmlformats.org/officeDocument/2006/relationships" xmlns:p1510="http://schemas.microsoft.com/office/powerpoint/2015/10/main">
+  <p1510:revLst>
+    <p1510:client id="{27FF2E8C-7EC7-446A-B560-E287FE814736}" v="123" dt="2023-02-17T20:13:18.637"/>
+  </p1510:revLst>
+</p1510:revInfo>
 </file>
 
 <file path=ppt/changesInfos/changesInfo1.xml><?xml version="1.0" encoding="utf-8"?>
 <pc:chgInfo xmlns:a="http://schemas.openxmlformats.org/drawingml/2006/main" xmlns:r="http://schemas.openxmlformats.org/officeDocument/2006/relationships" xmlns:ac="http://schemas.microsoft.com/office/drawing/2013/main/command" xmlns:pc="http://schemas.microsoft.com/office/powerpoint/2013/main/command">
   <pc:docChgLst>
     <pc:chgData name="Alexis Collier" userId="571536b3a60c2ab4" providerId="LiveId" clId="{27FF2E8C-7EC7-446A-B560-E287FE814736}"/>
-    <pc:docChg chg="modSld">
-      <pc:chgData name="Alexis Collier" userId="571536b3a60c2ab4" providerId="LiveId" clId="{27FF2E8C-7EC7-446A-B560-E287FE814736}" dt="2023-02-17T00:47:15.724" v="1" actId="1076"/>
+    <pc:docChg chg="custSel modSld">
+      <pc:chgData name="Alexis Collier" userId="571536b3a60c2ab4" providerId="LiveId" clId="{27FF2E8C-7EC7-446A-B560-E287FE814736}" dt="2023-02-17T20:15:00.623" v="466" actId="1037"/>
       <pc:docMkLst>
         <pc:docMk/>
       </pc:docMkLst>
-      <pc:sldChg chg="modSp mod">
-        <pc:chgData name="Alexis Collier" userId="571536b3a60c2ab4" providerId="LiveId" clId="{27FF2E8C-7EC7-446A-B560-E287FE814736}" dt="2023-02-17T00:47:15.724" v="1" actId="1076"/>
+      <pc:sldChg chg="addSp delSp modSp mod">
+        <pc:chgData name="Alexis Collier" userId="571536b3a60c2ab4" providerId="LiveId" clId="{27FF2E8C-7EC7-446A-B560-E287FE814736}" dt="2023-02-17T20:15:00.623" v="466" actId="1037"/>
         <pc:sldMkLst>
           <pc:docMk/>
           <pc:sldMk cId="649893831" sldId="256"/>
         </pc:sldMkLst>
+        <pc:spChg chg="add mod">
+          <ac:chgData name="Alexis Collier" userId="571536b3a60c2ab4" providerId="LiveId" clId="{27FF2E8C-7EC7-446A-B560-E287FE814736}" dt="2023-02-17T20:05:59.205" v="236" actId="1038"/>
+          <ac:spMkLst>
+            <pc:docMk/>
+            <pc:sldMk cId="649893831" sldId="256"/>
+            <ac:spMk id="3" creationId="{3B6CC0B4-CC8D-5D23-A44A-F209131BBF77}"/>
+          </ac:spMkLst>
+        </pc:spChg>
+        <pc:spChg chg="del">
+          <ac:chgData name="Alexis Collier" userId="571536b3a60c2ab4" providerId="LiveId" clId="{27FF2E8C-7EC7-446A-B560-E287FE814736}" dt="2023-02-17T19:40:48.642" v="37" actId="478"/>
+          <ac:spMkLst>
+            <pc:docMk/>
+            <pc:sldMk cId="649893831" sldId="256"/>
+            <ac:spMk id="5" creationId="{4BBC0C0C-2494-017A-3EDE-A8DACECB67E6}"/>
+          </ac:spMkLst>
+        </pc:spChg>
+        <pc:spChg chg="del">
+          <ac:chgData name="Alexis Collier" userId="571536b3a60c2ab4" providerId="LiveId" clId="{27FF2E8C-7EC7-446A-B560-E287FE814736}" dt="2023-02-17T20:06:28.228" v="241" actId="478"/>
+          <ac:spMkLst>
+            <pc:docMk/>
+            <pc:sldMk cId="649893831" sldId="256"/>
+            <ac:spMk id="6" creationId="{C01230A5-E932-AC0F-2AE7-CE1EC3B07FEA}"/>
+          </ac:spMkLst>
+        </pc:spChg>
         <pc:spChg chg="mod">
-          <ac:chgData name="Alexis Collier" userId="571536b3a60c2ab4" providerId="LiveId" clId="{27FF2E8C-7EC7-446A-B560-E287FE814736}" dt="2023-02-17T00:47:15.724" v="1" actId="1076"/>
+          <ac:chgData name="Alexis Collier" userId="571536b3a60c2ab4" providerId="LiveId" clId="{27FF2E8C-7EC7-446A-B560-E287FE814736}" dt="2023-02-17T20:02:05.609" v="87" actId="1076"/>
+          <ac:spMkLst>
+            <pc:docMk/>
+            <pc:sldMk cId="649893831" sldId="256"/>
+            <ac:spMk id="7" creationId="{B2CFB629-12AC-9D76-80F5-254AB6B6CB79}"/>
+          </ac:spMkLst>
+        </pc:spChg>
+        <pc:spChg chg="del mod">
+          <ac:chgData name="Alexis Collier" userId="571536b3a60c2ab4" providerId="LiveId" clId="{27FF2E8C-7EC7-446A-B560-E287FE814736}" dt="2023-02-17T20:06:22.726" v="239" actId="478"/>
+          <ac:spMkLst>
+            <pc:docMk/>
+            <pc:sldMk cId="649893831" sldId="256"/>
+            <ac:spMk id="8" creationId="{F19D305A-CDB7-64E1-19DC-D4EE7BB5E2F9}"/>
+          </ac:spMkLst>
+        </pc:spChg>
+        <pc:spChg chg="mod">
+          <ac:chgData name="Alexis Collier" userId="571536b3a60c2ab4" providerId="LiveId" clId="{27FF2E8C-7EC7-446A-B560-E287FE814736}" dt="2023-02-17T20:04:48.067" v="196" actId="1037"/>
+          <ac:spMkLst>
+            <pc:docMk/>
+            <pc:sldMk cId="649893831" sldId="256"/>
+            <ac:spMk id="9" creationId="{6A5BF71A-ED13-4F48-6143-36A0A8EF530F}"/>
+          </ac:spMkLst>
+        </pc:spChg>
+        <pc:spChg chg="del">
+          <ac:chgData name="Alexis Collier" userId="571536b3a60c2ab4" providerId="LiveId" clId="{27FF2E8C-7EC7-446A-B560-E287FE814736}" dt="2023-02-17T19:44:47.363" v="47" actId="478"/>
+          <ac:spMkLst>
+            <pc:docMk/>
+            <pc:sldMk cId="649893831" sldId="256"/>
+            <ac:spMk id="10" creationId="{601FD6BE-3BE1-2D48-7125-6527A7E1C629}"/>
+          </ac:spMkLst>
+        </pc:spChg>
+        <pc:spChg chg="mod">
+          <ac:chgData name="Alexis Collier" userId="571536b3a60c2ab4" providerId="LiveId" clId="{27FF2E8C-7EC7-446A-B560-E287FE814736}" dt="2023-02-17T20:02:13.758" v="88" actId="1076"/>
           <ac:spMkLst>
             <pc:docMk/>
             <pc:sldMk cId="649893831" sldId="256"/>
             <ac:spMk id="11" creationId="{7ACC7E5A-5D6C-3E0D-3189-A91BED7A15D8}"/>
           </ac:spMkLst>
         </pc:spChg>
+        <pc:spChg chg="add mod">
+          <ac:chgData name="Alexis Collier" userId="571536b3a60c2ab4" providerId="LiveId" clId="{27FF2E8C-7EC7-446A-B560-E287FE814736}" dt="2023-02-17T20:08:37.833" v="293" actId="1037"/>
+          <ac:spMkLst>
+            <pc:docMk/>
+            <pc:sldMk cId="649893831" sldId="256"/>
+            <ac:spMk id="16" creationId="{48771E1A-AA1F-8AA3-0C97-219C3612CE78}"/>
+          </ac:spMkLst>
+        </pc:spChg>
+        <pc:spChg chg="add mod">
+          <ac:chgData name="Alexis Collier" userId="571536b3a60c2ab4" providerId="LiveId" clId="{27FF2E8C-7EC7-446A-B560-E287FE814736}" dt="2023-02-17T20:07:30.948" v="269" actId="1037"/>
+          <ac:spMkLst>
+            <pc:docMk/>
+            <pc:sldMk cId="649893831" sldId="256"/>
+            <ac:spMk id="17" creationId="{A23DE021-CC61-F158-90C6-DA7029A19ABE}"/>
+          </ac:spMkLst>
+        </pc:spChg>
+        <pc:spChg chg="add mod">
+          <ac:chgData name="Alexis Collier" userId="571536b3a60c2ab4" providerId="LiveId" clId="{27FF2E8C-7EC7-446A-B560-E287FE814736}" dt="2023-02-17T20:15:00.623" v="466" actId="1037"/>
+          <ac:spMkLst>
+            <pc:docMk/>
+            <pc:sldMk cId="649893831" sldId="256"/>
+            <ac:spMk id="18" creationId="{BB402678-1CE0-5401-BED5-315B24E65473}"/>
+          </ac:spMkLst>
+        </pc:spChg>
+        <pc:spChg chg="add del mod">
+          <ac:chgData name="Alexis Collier" userId="571536b3a60c2ab4" providerId="LiveId" clId="{27FF2E8C-7EC7-446A-B560-E287FE814736}" dt="2023-02-17T20:05:13.888" v="208" actId="767"/>
+          <ac:spMkLst>
+            <pc:docMk/>
+            <pc:sldMk cId="649893831" sldId="256"/>
+            <ac:spMk id="20" creationId="{7D56E802-DF01-8F36-AA61-61EC87433F19}"/>
+          </ac:spMkLst>
+        </pc:spChg>
+        <pc:spChg chg="add mod">
+          <ac:chgData name="Alexis Collier" userId="571536b3a60c2ab4" providerId="LiveId" clId="{27FF2E8C-7EC7-446A-B560-E287FE814736}" dt="2023-02-17T20:05:37.005" v="217" actId="1076"/>
+          <ac:spMkLst>
+            <pc:docMk/>
+            <pc:sldMk cId="649893831" sldId="256"/>
+            <ac:spMk id="21" creationId="{6F2B32BF-1251-9482-8595-E1AEF8067D39}"/>
+          </ac:spMkLst>
+        </pc:spChg>
+        <pc:spChg chg="add mod">
+          <ac:chgData name="Alexis Collier" userId="571536b3a60c2ab4" providerId="LiveId" clId="{27FF2E8C-7EC7-446A-B560-E287FE814736}" dt="2023-02-17T20:11:59.515" v="336" actId="1076"/>
+          <ac:spMkLst>
+            <pc:docMk/>
+            <pc:sldMk cId="649893831" sldId="256"/>
+            <ac:spMk id="40" creationId="{DA8A25B1-B259-451B-E4F3-9AB828E4E049}"/>
+          </ac:spMkLst>
+        </pc:spChg>
+        <pc:spChg chg="add mod">
+          <ac:chgData name="Alexis Collier" userId="571536b3a60c2ab4" providerId="LiveId" clId="{27FF2E8C-7EC7-446A-B560-E287FE814736}" dt="2023-02-17T20:11:40.484" v="324" actId="113"/>
+          <ac:spMkLst>
+            <pc:docMk/>
+            <pc:sldMk cId="649893831" sldId="256"/>
+            <ac:spMk id="41" creationId="{F0CAFAF9-17E1-DB32-6DFC-5D9E0C6223BA}"/>
+          </ac:spMkLst>
+        </pc:spChg>
+        <pc:spChg chg="add mod">
+          <ac:chgData name="Alexis Collier" userId="571536b3a60c2ab4" providerId="LiveId" clId="{27FF2E8C-7EC7-446A-B560-E287FE814736}" dt="2023-02-17T20:12:56.896" v="367" actId="1037"/>
+          <ac:spMkLst>
+            <pc:docMk/>
+            <pc:sldMk cId="649893831" sldId="256"/>
+            <ac:spMk id="42" creationId="{41B591CD-AC47-4338-A3B6-35FC1DEB0A39}"/>
+          </ac:spMkLst>
+        </pc:spChg>
+        <pc:spChg chg="add mod">
+          <ac:chgData name="Alexis Collier" userId="571536b3a60c2ab4" providerId="LiveId" clId="{27FF2E8C-7EC7-446A-B560-E287FE814736}" dt="2023-02-17T20:12:35.275" v="349" actId="113"/>
+          <ac:spMkLst>
+            <pc:docMk/>
+            <pc:sldMk cId="649893831" sldId="256"/>
+            <ac:spMk id="43" creationId="{F341EC58-5AE5-BA6E-11B3-F36BDC991A0C}"/>
+          </ac:spMkLst>
+        </pc:spChg>
+        <pc:spChg chg="add mod">
+          <ac:chgData name="Alexis Collier" userId="571536b3a60c2ab4" providerId="LiveId" clId="{27FF2E8C-7EC7-446A-B560-E287FE814736}" dt="2023-02-17T20:14:22.154" v="433" actId="1037"/>
+          <ac:spMkLst>
+            <pc:docMk/>
+            <pc:sldMk cId="649893831" sldId="256"/>
+            <ac:spMk id="44" creationId="{C70B8DA3-CB87-8E66-0A81-66DC2C5E553B}"/>
+          </ac:spMkLst>
+        </pc:spChg>
+        <pc:spChg chg="add mod">
+          <ac:chgData name="Alexis Collier" userId="571536b3a60c2ab4" providerId="LiveId" clId="{27FF2E8C-7EC7-446A-B560-E287FE814736}" dt="2023-02-17T20:13:44.413" v="393" actId="1035"/>
+          <ac:spMkLst>
+            <pc:docMk/>
+            <pc:sldMk cId="649893831" sldId="256"/>
+            <ac:spMk id="45" creationId="{B5F30CDF-D2F3-9A01-D183-D2F759A5CB9B}"/>
+          </ac:spMkLst>
+        </pc:spChg>
+        <pc:picChg chg="add mod">
+          <ac:chgData name="Alexis Collier" userId="571536b3a60c2ab4" providerId="LiveId" clId="{27FF2E8C-7EC7-446A-B560-E287FE814736}" dt="2023-02-17T20:05:51.496" v="223" actId="1036"/>
+          <ac:picMkLst>
+            <pc:docMk/>
+            <pc:sldMk cId="649893831" sldId="256"/>
+            <ac:picMk id="2" creationId="{FB1CD56A-98AE-6B3C-A35E-03073EC4E7A7}"/>
+          </ac:picMkLst>
+        </pc:picChg>
+        <pc:picChg chg="del">
+          <ac:chgData name="Alexis Collier" userId="571536b3a60c2ab4" providerId="LiveId" clId="{27FF2E8C-7EC7-446A-B560-E287FE814736}" dt="2023-02-17T20:06:23.962" v="240" actId="478"/>
+          <ac:picMkLst>
+            <pc:docMk/>
+            <pc:sldMk cId="649893831" sldId="256"/>
+            <ac:picMk id="4" creationId="{78BDE8B9-2E61-DE57-16B0-B2EF2003F6A6}"/>
+          </ac:picMkLst>
+        </pc:picChg>
+        <pc:picChg chg="add mod">
+          <ac:chgData name="Alexis Collier" userId="571536b3a60c2ab4" providerId="LiveId" clId="{27FF2E8C-7EC7-446A-B560-E287FE814736}" dt="2023-02-17T20:00:59.660" v="71" actId="14100"/>
+          <ac:picMkLst>
+            <pc:docMk/>
+            <pc:sldMk cId="649893831" sldId="256"/>
+            <ac:picMk id="12" creationId="{BA54F9C5-E995-C62D-4DC8-0705F1219317}"/>
+          </ac:picMkLst>
+        </pc:picChg>
+        <pc:picChg chg="add mod">
+          <ac:chgData name="Alexis Collier" userId="571536b3a60c2ab4" providerId="LiveId" clId="{27FF2E8C-7EC7-446A-B560-E287FE814736}" dt="2023-02-17T20:07:23.477" v="250" actId="1076"/>
+          <ac:picMkLst>
+            <pc:docMk/>
+            <pc:sldMk cId="649893831" sldId="256"/>
+            <ac:picMk id="14" creationId="{D7794C45-7F1C-04C5-B415-910C6ED8F92E}"/>
+          </ac:picMkLst>
+        </pc:picChg>
+        <pc:picChg chg="add mod">
+          <ac:chgData name="Alexis Collier" userId="571536b3a60c2ab4" providerId="LiveId" clId="{27FF2E8C-7EC7-446A-B560-E287FE814736}" dt="2023-02-17T20:08:31.878" v="281" actId="1038"/>
+          <ac:picMkLst>
+            <pc:docMk/>
+            <pc:sldMk cId="649893831" sldId="256"/>
+            <ac:picMk id="15" creationId="{C8285C07-FFA2-8DB2-BB2E-1713FC3E7624}"/>
+          </ac:picMkLst>
+        </pc:picChg>
+        <pc:picChg chg="mod">
+          <ac:chgData name="Alexis Collier" userId="571536b3a60c2ab4" providerId="LiveId" clId="{27FF2E8C-7EC7-446A-B560-E287FE814736}" dt="2023-02-17T20:08:23.880" v="276" actId="1076"/>
+          <ac:picMkLst>
+            <pc:docMk/>
+            <pc:sldMk cId="649893831" sldId="256"/>
+            <ac:picMk id="1026" creationId="{E2D8B4E5-5D35-43D8-D54E-7D20AA5C0E9B}"/>
+          </ac:picMkLst>
+        </pc:picChg>
+        <pc:picChg chg="mod">
+          <ac:chgData name="Alexis Collier" userId="571536b3a60c2ab4" providerId="LiveId" clId="{27FF2E8C-7EC7-446A-B560-E287FE814736}" dt="2023-02-17T20:04:42.915" v="187" actId="1038"/>
+          <ac:picMkLst>
+            <pc:docMk/>
+            <pc:sldMk cId="649893831" sldId="256"/>
+            <ac:picMk id="1028" creationId="{BCBFD9F7-686C-BFF7-E7A5-A8F98950D57B}"/>
+          </ac:picMkLst>
+        </pc:picChg>
+        <pc:picChg chg="add mod">
+          <ac:chgData name="Alexis Collier" userId="571536b3a60c2ab4" providerId="LiveId" clId="{27FF2E8C-7EC7-446A-B560-E287FE814736}" dt="2023-02-17T20:01:08.783" v="80" actId="1036"/>
+          <ac:picMkLst>
+            <pc:docMk/>
+            <pc:sldMk cId="649893831" sldId="256"/>
+            <ac:picMk id="1030" creationId="{B3B779A7-0623-A2C8-0EEB-EB45C7026AB7}"/>
+          </ac:picMkLst>
+        </pc:picChg>
+        <pc:picChg chg="del">
+          <ac:chgData name="Alexis Collier" userId="571536b3a60c2ab4" providerId="LiveId" clId="{27FF2E8C-7EC7-446A-B560-E287FE814736}" dt="2023-02-17T19:44:45.285" v="46" actId="478"/>
+          <ac:picMkLst>
+            <pc:docMk/>
+            <pc:sldMk cId="649893831" sldId="256"/>
+            <ac:picMk id="1032" creationId="{9EAE4CE5-0D8F-316C-072D-28BCB2453C00}"/>
+          </ac:picMkLst>
+        </pc:picChg>
+        <pc:picChg chg="del mod">
+          <ac:chgData name="Alexis Collier" userId="571536b3a60c2ab4" providerId="LiveId" clId="{27FF2E8C-7EC7-446A-B560-E287FE814736}" dt="2023-02-17T20:06:18.203" v="237" actId="478"/>
+          <ac:picMkLst>
+            <pc:docMk/>
+            <pc:sldMk cId="649893831" sldId="256"/>
+            <ac:picMk id="1036" creationId="{1D8978C4-CFB6-7C79-7505-95B7C6344ECF}"/>
+          </ac:picMkLst>
+        </pc:picChg>
+        <pc:cxnChg chg="del">
+          <ac:chgData name="Alexis Collier" userId="571536b3a60c2ab4" providerId="LiveId" clId="{27FF2E8C-7EC7-446A-B560-E287FE814736}" dt="2023-02-17T20:00:26.742" v="66" actId="478"/>
+          <ac:cxnSpMkLst>
+            <pc:docMk/>
+            <pc:sldMk cId="649893831" sldId="256"/>
+            <ac:cxnSpMk id="13" creationId="{A66B3AAE-5D2F-3986-362B-C0F02D3EEBEC}"/>
+          </ac:cxnSpMkLst>
+        </pc:cxnChg>
+        <pc:cxnChg chg="del">
+          <ac:chgData name="Alexis Collier" userId="571536b3a60c2ab4" providerId="LiveId" clId="{27FF2E8C-7EC7-446A-B560-E287FE814736}" dt="2023-02-17T20:00:30.516" v="67" actId="478"/>
+          <ac:cxnSpMkLst>
+            <pc:docMk/>
+            <pc:sldMk cId="649893831" sldId="256"/>
+            <ac:cxnSpMk id="19" creationId="{4F9B25D7-5CB7-E684-DBE2-FAA4C9098FF0}"/>
+          </ac:cxnSpMkLst>
+        </pc:cxnChg>
+        <pc:cxnChg chg="add mod">
+          <ac:chgData name="Alexis Collier" userId="571536b3a60c2ab4" providerId="LiveId" clId="{27FF2E8C-7EC7-446A-B560-E287FE814736}" dt="2023-02-17T20:06:40.569" v="243" actId="13822"/>
+          <ac:cxnSpMkLst>
+            <pc:docMk/>
+            <pc:sldMk cId="649893831" sldId="256"/>
+            <ac:cxnSpMk id="23" creationId="{96D1C9F8-93D7-AF45-520B-5F9532AFE799}"/>
+          </ac:cxnSpMkLst>
+        </pc:cxnChg>
+        <pc:cxnChg chg="add mod">
+          <ac:chgData name="Alexis Collier" userId="571536b3a60c2ab4" providerId="LiveId" clId="{27FF2E8C-7EC7-446A-B560-E287FE814736}" dt="2023-02-17T20:14:41.299" v="438" actId="1037"/>
+          <ac:cxnSpMkLst>
+            <pc:docMk/>
+            <pc:sldMk cId="649893831" sldId="256"/>
+            <ac:cxnSpMk id="25" creationId="{5F418B4D-A1E6-1399-809D-3F49927AD315}"/>
+          </ac:cxnSpMkLst>
+        </pc:cxnChg>
+        <pc:cxnChg chg="add mod">
+          <ac:chgData name="Alexis Collier" userId="571536b3a60c2ab4" providerId="LiveId" clId="{27FF2E8C-7EC7-446A-B560-E287FE814736}" dt="2023-02-17T20:09:12.334" v="299" actId="1038"/>
+          <ac:cxnSpMkLst>
+            <pc:docMk/>
+            <pc:sldMk cId="649893831" sldId="256"/>
+            <ac:cxnSpMk id="28" creationId="{CDC18E00-775E-0999-807D-F7EBE2057E50}"/>
+          </ac:cxnSpMkLst>
+        </pc:cxnChg>
+        <pc:cxnChg chg="add mod">
+          <ac:chgData name="Alexis Collier" userId="571536b3a60c2ab4" providerId="LiveId" clId="{27FF2E8C-7EC7-446A-B560-E287FE814736}" dt="2023-02-17T20:08:47.657" v="294" actId="1076"/>
+          <ac:cxnSpMkLst>
+            <pc:docMk/>
+            <pc:sldMk cId="649893831" sldId="256"/>
+            <ac:cxnSpMk id="29" creationId="{1096A8BC-9B96-AAA2-82EB-AB96F29F7CF9}"/>
+          </ac:cxnSpMkLst>
+        </pc:cxnChg>
+        <pc:cxnChg chg="add mod">
+          <ac:chgData name="Alexis Collier" userId="571536b3a60c2ab4" providerId="LiveId" clId="{27FF2E8C-7EC7-446A-B560-E287FE814736}" dt="2023-02-17T20:08:59.493" v="296" actId="1076"/>
+          <ac:cxnSpMkLst>
+            <pc:docMk/>
+            <pc:sldMk cId="649893831" sldId="256"/>
+            <ac:cxnSpMk id="30" creationId="{F3735AB1-2DE4-C577-BB54-9FBDA9995235}"/>
+          </ac:cxnSpMkLst>
+        </pc:cxnChg>
+        <pc:cxnChg chg="add mod">
+          <ac:chgData name="Alexis Collier" userId="571536b3a60c2ab4" providerId="LiveId" clId="{27FF2E8C-7EC7-446A-B560-E287FE814736}" dt="2023-02-17T20:10:07.140" v="308" actId="13822"/>
+          <ac:cxnSpMkLst>
+            <pc:docMk/>
+            <pc:sldMk cId="649893831" sldId="256"/>
+            <ac:cxnSpMk id="36" creationId="{32BB86C9-5DDA-1527-BEFC-DABECA8AD5E2}"/>
+          </ac:cxnSpMkLst>
+        </pc:cxnChg>
+        <pc:cxnChg chg="add mod">
+          <ac:chgData name="Alexis Collier" userId="571536b3a60c2ab4" providerId="LiveId" clId="{27FF2E8C-7EC7-446A-B560-E287FE814736}" dt="2023-02-17T20:10:34.429" v="310" actId="13822"/>
+          <ac:cxnSpMkLst>
+            <pc:docMk/>
+            <pc:sldMk cId="649893831" sldId="256"/>
+            <ac:cxnSpMk id="38" creationId="{60149D3E-A51B-9E0F-08F6-7E662EDCB6D0}"/>
+          </ac:cxnSpMkLst>
+        </pc:cxnChg>
+        <pc:cxnChg chg="add mod">
+          <ac:chgData name="Alexis Collier" userId="571536b3a60c2ab4" providerId="LiveId" clId="{27FF2E8C-7EC7-446A-B560-E287FE814736}" dt="2023-02-17T20:10:46.643" v="312" actId="1076"/>
+          <ac:cxnSpMkLst>
+            <pc:docMk/>
+            <pc:sldMk cId="649893831" sldId="256"/>
+            <ac:cxnSpMk id="39" creationId="{7E052C35-E833-A22E-3F84-10C449E88000}"/>
+          </ac:cxnSpMkLst>
+        </pc:cxnChg>
       </pc:sldChg>
     </pc:docChg>
   </pc:docChgLst>
@@ -283,7 +600,7 @@
           <a:p>
             <a:fld id="{7C83D90C-35F7-4577-B734-10D222BEC1D8}" type="datetimeFigureOut">
               <a:rPr lang="en-US" smtClean="0"/>
-              <a:t>2/16/2023</a:t>
+              <a:t>2/17/2023</a:t>
             </a:fld>
             <a:endParaRPr lang="en-US"/>
           </a:p>
@@ -481,7 +798,7 @@
           <a:p>
             <a:fld id="{7C83D90C-35F7-4577-B734-10D222BEC1D8}" type="datetimeFigureOut">
               <a:rPr lang="en-US" smtClean="0"/>
-              <a:t>2/16/2023</a:t>
+              <a:t>2/17/2023</a:t>
             </a:fld>
             <a:endParaRPr lang="en-US"/>
           </a:p>
@@ -689,7 +1006,7 @@
           <a:p>
             <a:fld id="{7C83D90C-35F7-4577-B734-10D222BEC1D8}" type="datetimeFigureOut">
               <a:rPr lang="en-US" smtClean="0"/>
-              <a:t>2/16/2023</a:t>
+              <a:t>2/17/2023</a:t>
             </a:fld>
             <a:endParaRPr lang="en-US"/>
           </a:p>
@@ -887,7 +1204,7 @@
           <a:p>
             <a:fld id="{7C83D90C-35F7-4577-B734-10D222BEC1D8}" type="datetimeFigureOut">
               <a:rPr lang="en-US" smtClean="0"/>
-              <a:t>2/16/2023</a:t>
+              <a:t>2/17/2023</a:t>
             </a:fld>
             <a:endParaRPr lang="en-US"/>
           </a:p>
@@ -1162,7 +1479,7 @@
           <a:p>
             <a:fld id="{7C83D90C-35F7-4577-B734-10D222BEC1D8}" type="datetimeFigureOut">
               <a:rPr lang="en-US" smtClean="0"/>
-              <a:t>2/16/2023</a:t>
+              <a:t>2/17/2023</a:t>
             </a:fld>
             <a:endParaRPr lang="en-US"/>
           </a:p>
@@ -1427,7 +1744,7 @@
           <a:p>
             <a:fld id="{7C83D90C-35F7-4577-B734-10D222BEC1D8}" type="datetimeFigureOut">
               <a:rPr lang="en-US" smtClean="0"/>
-              <a:t>2/16/2023</a:t>
+              <a:t>2/17/2023</a:t>
             </a:fld>
             <a:endParaRPr lang="en-US"/>
           </a:p>
@@ -1839,7 +2156,7 @@
           <a:p>
             <a:fld id="{7C83D90C-35F7-4577-B734-10D222BEC1D8}" type="datetimeFigureOut">
               <a:rPr lang="en-US" smtClean="0"/>
-              <a:t>2/16/2023</a:t>
+              <a:t>2/17/2023</a:t>
             </a:fld>
             <a:endParaRPr lang="en-US"/>
           </a:p>
@@ -1980,7 +2297,7 @@
           <a:p>
             <a:fld id="{7C83D90C-35F7-4577-B734-10D222BEC1D8}" type="datetimeFigureOut">
               <a:rPr lang="en-US" smtClean="0"/>
-              <a:t>2/16/2023</a:t>
+              <a:t>2/17/2023</a:t>
             </a:fld>
             <a:endParaRPr lang="en-US"/>
           </a:p>
@@ -2093,7 +2410,7 @@
           <a:p>
             <a:fld id="{7C83D90C-35F7-4577-B734-10D222BEC1D8}" type="datetimeFigureOut">
               <a:rPr lang="en-US" smtClean="0"/>
-              <a:t>2/16/2023</a:t>
+              <a:t>2/17/2023</a:t>
             </a:fld>
             <a:endParaRPr lang="en-US"/>
           </a:p>
@@ -2404,7 +2721,7 @@
           <a:p>
             <a:fld id="{7C83D90C-35F7-4577-B734-10D222BEC1D8}" type="datetimeFigureOut">
               <a:rPr lang="en-US" smtClean="0"/>
-              <a:t>2/16/2023</a:t>
+              <a:t>2/17/2023</a:t>
             </a:fld>
             <a:endParaRPr lang="en-US"/>
           </a:p>
@@ -2692,7 +3009,7 @@
           <a:p>
             <a:fld id="{7C83D90C-35F7-4577-B734-10D222BEC1D8}" type="datetimeFigureOut">
               <a:rPr lang="en-US" smtClean="0"/>
-              <a:t>2/16/2023</a:t>
+              <a:t>2/17/2023</a:t>
             </a:fld>
             <a:endParaRPr lang="en-US"/>
           </a:p>
@@ -2933,7 +3250,7 @@
           <a:p>
             <a:fld id="{7C83D90C-35F7-4577-B734-10D222BEC1D8}" type="datetimeFigureOut">
               <a:rPr lang="en-US" smtClean="0"/>
-              <a:t>2/16/2023</a:t>
+              <a:t>2/17/2023</a:t>
             </a:fld>
             <a:endParaRPr lang="en-US"/>
           </a:p>
@@ -3352,36 +3669,6 @@
       </p:grpSpPr>
       <p:pic>
         <p:nvPicPr>
-          <p:cNvPr id="4" name="Picture 3">
-            <a:extLst>
-              <a:ext uri="{FF2B5EF4-FFF2-40B4-BE49-F238E27FC236}">
-                <a16:creationId xmlns:a16="http://schemas.microsoft.com/office/drawing/2014/main" id="{78BDE8B9-2E61-DE57-16B0-B2EF2003F6A6}"/>
-              </a:ext>
-            </a:extLst>
-          </p:cNvPr>
-          <p:cNvPicPr>
-            <a:picLocks noChangeAspect="1"/>
-          </p:cNvPicPr>
-          <p:nvPr/>
-        </p:nvPicPr>
-        <p:blipFill>
-          <a:blip r:embed="rId2"/>
-          <a:stretch>
-            <a:fillRect/>
-          </a:stretch>
-        </p:blipFill>
-        <p:spPr>
-          <a:xfrm>
-            <a:off x="483365" y="2476500"/>
-            <a:ext cx="1905000" cy="1905000"/>
-          </a:xfrm>
-          <a:prstGeom prst="rect">
-            <a:avLst/>
-          </a:prstGeom>
-        </p:spPr>
-      </p:pic>
-      <p:pic>
-        <p:nvPicPr>
           <p:cNvPr id="1026" name="Picture 2" descr="Build a Unique Domain Hosting Environment for Google Domains with AWS  Amplify - DEV Community 👩‍💻👨‍💻">
             <a:extLst>
               <a:ext uri="{FF2B5EF4-FFF2-40B4-BE49-F238E27FC236}">
@@ -3395,7 +3682,7 @@
           <p:nvPr/>
         </p:nvPicPr>
         <p:blipFill>
-          <a:blip r:embed="rId3">
+          <a:blip r:embed="rId2">
             <a:extLst>
               <a:ext uri="{28A0092B-C50C-407E-A947-70E740481C1C}">
                 <a14:useLocalDpi xmlns:a14="http://schemas.microsoft.com/office/drawing/2010/main" val="0"/>
@@ -3409,8 +3696,8 @@
         </p:blipFill>
         <p:spPr bwMode="auto">
           <a:xfrm>
-            <a:off x="2776483" y="305068"/>
-            <a:ext cx="1632792" cy="1632792"/>
+            <a:off x="8840451" y="5057984"/>
+            <a:ext cx="1411884" cy="1411884"/>
           </a:xfrm>
           <a:prstGeom prst="rect">
             <a:avLst/>
@@ -3427,51 +3714,6 @@
           </a:extLst>
         </p:spPr>
       </p:pic>
-      <p:sp>
-        <p:nvSpPr>
-          <p:cNvPr id="5" name="Rectangle 4">
-            <a:extLst>
-              <a:ext uri="{FF2B5EF4-FFF2-40B4-BE49-F238E27FC236}">
-                <a16:creationId xmlns:a16="http://schemas.microsoft.com/office/drawing/2014/main" id="{4BBC0C0C-2494-017A-3EDE-A8DACECB67E6}"/>
-              </a:ext>
-            </a:extLst>
-          </p:cNvPr>
-          <p:cNvSpPr/>
-          <p:nvPr/>
-        </p:nvSpPr>
-        <p:spPr>
-          <a:xfrm>
-            <a:off x="5010380" y="1054865"/>
-            <a:ext cx="6819441" cy="4748270"/>
-          </a:xfrm>
-          <a:prstGeom prst="rect">
-            <a:avLst/>
-          </a:prstGeom>
-          <a:ln/>
-        </p:spPr>
-        <p:style>
-          <a:lnRef idx="2">
-            <a:schemeClr val="dk1"/>
-          </a:lnRef>
-          <a:fillRef idx="1">
-            <a:schemeClr val="lt1"/>
-          </a:fillRef>
-          <a:effectRef idx="0">
-            <a:schemeClr val="dk1"/>
-          </a:effectRef>
-          <a:fontRef idx="minor">
-            <a:schemeClr val="dk1"/>
-          </a:fontRef>
-        </p:style>
-        <p:txBody>
-          <a:bodyPr rtlCol="0" anchor="ctr"/>
-          <a:lstStyle/>
-          <a:p>
-            <a:pPr algn="ctr"/>
-            <a:endParaRPr lang="en-US" dirty="0"/>
-          </a:p>
-        </p:txBody>
-      </p:sp>
       <p:pic>
         <p:nvPicPr>
           <p:cNvPr id="1028" name="Picture 4" descr="Request: Amazon S3 · Issue #2687 · simple-icons/simple-icons · GitHub">
@@ -3487,7 +3729,7 @@
           <p:nvPr/>
         </p:nvPicPr>
         <p:blipFill>
-          <a:blip r:embed="rId4">
+          <a:blip r:embed="rId3">
             <a:extLst>
               <a:ext uri="{28A0092B-C50C-407E-A947-70E740481C1C}">
                 <a14:useLocalDpi xmlns:a14="http://schemas.microsoft.com/office/drawing/2010/main" val="0"/>
@@ -3501,8 +3743,8 @@
         </p:blipFill>
         <p:spPr bwMode="auto">
           <a:xfrm>
-            <a:off x="5787145" y="2390374"/>
-            <a:ext cx="2052197" cy="2484723"/>
+            <a:off x="4674796" y="4661386"/>
+            <a:ext cx="1550310" cy="1877057"/>
           </a:xfrm>
           <a:prstGeom prst="rect">
             <a:avLst/>
@@ -3519,12 +3761,120 @@
           </a:extLst>
         </p:spPr>
       </p:pic>
+      <p:sp>
+        <p:nvSpPr>
+          <p:cNvPr id="7" name="TextBox 6">
+            <a:extLst>
+              <a:ext uri="{FF2B5EF4-FFF2-40B4-BE49-F238E27FC236}">
+                <a16:creationId xmlns:a16="http://schemas.microsoft.com/office/drawing/2014/main" id="{B2CFB629-12AC-9D76-80F5-254AB6B6CB79}"/>
+              </a:ext>
+            </a:extLst>
+          </p:cNvPr>
+          <p:cNvSpPr txBox="1"/>
+          <p:nvPr/>
+        </p:nvSpPr>
+        <p:spPr>
+          <a:xfrm>
+            <a:off x="8808743" y="6517521"/>
+            <a:ext cx="1432380" cy="369332"/>
+          </a:xfrm>
+          <a:prstGeom prst="rect">
+            <a:avLst/>
+          </a:prstGeom>
+          <a:noFill/>
+        </p:spPr>
+        <p:txBody>
+          <a:bodyPr wrap="none" rtlCol="0">
+            <a:spAutoFit/>
+          </a:bodyPr>
+          <a:lstStyle/>
+          <a:p>
+            <a:r>
+              <a:rPr lang="en-US" b="1" dirty="0"/>
+              <a:t>AWS Amplify</a:t>
+            </a:r>
+          </a:p>
+        </p:txBody>
+      </p:sp>
+      <p:sp>
+        <p:nvSpPr>
+          <p:cNvPr id="9" name="TextBox 8">
+            <a:extLst>
+              <a:ext uri="{FF2B5EF4-FFF2-40B4-BE49-F238E27FC236}">
+                <a16:creationId xmlns:a16="http://schemas.microsoft.com/office/drawing/2014/main" id="{6A5BF71A-ED13-4F48-6143-36A0A8EF530F}"/>
+              </a:ext>
+            </a:extLst>
+          </p:cNvPr>
+          <p:cNvSpPr txBox="1"/>
+          <p:nvPr/>
+        </p:nvSpPr>
+        <p:spPr>
+          <a:xfrm>
+            <a:off x="5016059" y="6516409"/>
+            <a:ext cx="911853" cy="369332"/>
+          </a:xfrm>
+          <a:prstGeom prst="rect">
+            <a:avLst/>
+          </a:prstGeom>
+          <a:noFill/>
+        </p:spPr>
+        <p:txBody>
+          <a:bodyPr wrap="none" rtlCol="0">
+            <a:spAutoFit/>
+          </a:bodyPr>
+          <a:lstStyle/>
+          <a:p>
+            <a:r>
+              <a:rPr lang="en-US" b="1" dirty="0"/>
+              <a:t>AWS S3</a:t>
+            </a:r>
+          </a:p>
+        </p:txBody>
+      </p:sp>
+      <p:sp>
+        <p:nvSpPr>
+          <p:cNvPr id="11" name="TextBox 10">
+            <a:extLst>
+              <a:ext uri="{FF2B5EF4-FFF2-40B4-BE49-F238E27FC236}">
+                <a16:creationId xmlns:a16="http://schemas.microsoft.com/office/drawing/2014/main" id="{7ACC7E5A-5D6C-3E0D-3189-A91BED7A15D8}"/>
+              </a:ext>
+            </a:extLst>
+          </p:cNvPr>
+          <p:cNvSpPr txBox="1"/>
+          <p:nvPr/>
+        </p:nvSpPr>
+        <p:spPr>
+          <a:xfrm>
+            <a:off x="152463" y="6232940"/>
+            <a:ext cx="4316246" cy="677108"/>
+          </a:xfrm>
+          <a:prstGeom prst="rect">
+            <a:avLst/>
+          </a:prstGeom>
+          <a:noFill/>
+        </p:spPr>
+        <p:txBody>
+          <a:bodyPr wrap="none" rtlCol="0">
+            <a:spAutoFit/>
+          </a:bodyPr>
+          <a:lstStyle/>
+          <a:p>
+            <a:r>
+              <a:rPr lang="en-US" sz="2000" b="1" dirty="0"/>
+              <a:t>Amplify: Nintendo Game Boy Emulator</a:t>
+            </a:r>
+          </a:p>
+          <a:p>
+            <a:endParaRPr lang="en-US" dirty="0"/>
+          </a:p>
+        </p:txBody>
+      </p:sp>
       <p:pic>
         <p:nvPicPr>
-          <p:cNvPr id="1032" name="Picture 8" descr="AWS CLI IAM | StrongDM">
-            <a:extLst>
-              <a:ext uri="{FF2B5EF4-FFF2-40B4-BE49-F238E27FC236}">
-                <a16:creationId xmlns:a16="http://schemas.microsoft.com/office/drawing/2014/main" id="{9EAE4CE5-0D8F-316C-072D-28BCB2453C00}"/>
+          <p:cNvPr id="2" name="Picture 2" descr="Free open laptop icon illustration 13475424 PNG with Transparent Background">
+            <a:extLst>
+              <a:ext uri="{FF2B5EF4-FFF2-40B4-BE49-F238E27FC236}">
+                <a16:creationId xmlns:a16="http://schemas.microsoft.com/office/drawing/2014/main" id="{FB1CD56A-98AE-6B3C-A35E-03073EC4E7A7}"/>
               </a:ext>
             </a:extLst>
           </p:cNvPr>
@@ -3534,7 +3884,7 @@
           <p:nvPr/>
         </p:nvPicPr>
         <p:blipFill>
-          <a:blip r:embed="rId5">
+          <a:blip r:embed="rId4">
             <a:extLst>
               <a:ext uri="{28A0092B-C50C-407E-A947-70E740481C1C}">
                 <a14:useLocalDpi xmlns:a14="http://schemas.microsoft.com/office/drawing/2010/main" val="0"/>
@@ -3548,8 +3898,8 @@
         </p:blipFill>
         <p:spPr bwMode="auto">
           <a:xfrm>
-            <a:off x="8616107" y="2267102"/>
-            <a:ext cx="2731266" cy="2731266"/>
+            <a:off x="324603" y="28164"/>
+            <a:ext cx="1712901" cy="1712901"/>
           </a:xfrm>
           <a:prstGeom prst="rect">
             <a:avLst/>
@@ -3568,10 +3918,10 @@
       </p:pic>
       <p:sp>
         <p:nvSpPr>
-          <p:cNvPr id="6" name="TextBox 5">
-            <a:extLst>
-              <a:ext uri="{FF2B5EF4-FFF2-40B4-BE49-F238E27FC236}">
-                <a16:creationId xmlns:a16="http://schemas.microsoft.com/office/drawing/2014/main" id="{C01230A5-E932-AC0F-2AE7-CE1EC3B07FEA}"/>
+          <p:cNvPr id="3" name="TextBox 2">
+            <a:extLst>
+              <a:ext uri="{FF2B5EF4-FFF2-40B4-BE49-F238E27FC236}">
+                <a16:creationId xmlns:a16="http://schemas.microsoft.com/office/drawing/2014/main" id="{3B6CC0B4-CC8D-5D23-A44A-F209131BBF77}"/>
               </a:ext>
             </a:extLst>
           </p:cNvPr>
@@ -3580,8 +3930,8 @@
         </p:nvSpPr>
         <p:spPr>
           <a:xfrm>
-            <a:off x="1084230" y="4109863"/>
-            <a:ext cx="712439" cy="369332"/>
+            <a:off x="224565" y="1518556"/>
+            <a:ext cx="1879041" cy="369332"/>
           </a:xfrm>
           <a:prstGeom prst="rect">
             <a:avLst/>
@@ -3596,52 +3946,17 @@
           <a:p>
             <a:r>
               <a:rPr lang="en-US" b="1" dirty="0"/>
-              <a:t>Users</a:t>
-            </a:r>
-          </a:p>
-        </p:txBody>
-      </p:sp>
-      <p:sp>
-        <p:nvSpPr>
-          <p:cNvPr id="7" name="TextBox 6">
-            <a:extLst>
-              <a:ext uri="{FF2B5EF4-FFF2-40B4-BE49-F238E27FC236}">
-                <a16:creationId xmlns:a16="http://schemas.microsoft.com/office/drawing/2014/main" id="{B2CFB629-12AC-9D76-80F5-254AB6B6CB79}"/>
-              </a:ext>
-            </a:extLst>
-          </p:cNvPr>
-          <p:cNvSpPr txBox="1"/>
-          <p:nvPr/>
-        </p:nvSpPr>
-        <p:spPr>
-          <a:xfrm>
-            <a:off x="2876689" y="2082436"/>
-            <a:ext cx="1432380" cy="369332"/>
-          </a:xfrm>
-          <a:prstGeom prst="rect">
-            <a:avLst/>
-          </a:prstGeom>
-          <a:noFill/>
-        </p:spPr>
-        <p:txBody>
-          <a:bodyPr wrap="none" rtlCol="0">
-            <a:spAutoFit/>
-          </a:bodyPr>
-          <a:lstStyle/>
-          <a:p>
-            <a:r>
-              <a:rPr lang="en-US" b="1" dirty="0"/>
-              <a:t>AWS Amplify</a:t>
+              <a:t>Developer Laptop</a:t>
             </a:r>
           </a:p>
         </p:txBody>
       </p:sp>
       <p:pic>
         <p:nvPicPr>
-          <p:cNvPr id="1036" name="Picture 12" descr="Amazon Web Services (@awscloud) / Twitter">
-            <a:extLst>
-              <a:ext uri="{FF2B5EF4-FFF2-40B4-BE49-F238E27FC236}">
-                <a16:creationId xmlns:a16="http://schemas.microsoft.com/office/drawing/2014/main" id="{1D8978C4-CFB6-7C79-7505-95B7C6344ECF}"/>
+          <p:cNvPr id="12" name="Picture 4" descr="Github Logo - Free social media icons">
+            <a:extLst>
+              <a:ext uri="{FF2B5EF4-FFF2-40B4-BE49-F238E27FC236}">
+                <a16:creationId xmlns:a16="http://schemas.microsoft.com/office/drawing/2014/main" id="{BA54F9C5-E995-C62D-4DC8-0705F1219317}"/>
               </a:ext>
             </a:extLst>
           </p:cNvPr>
@@ -3651,7 +3966,7 @@
           <p:nvPr/>
         </p:nvPicPr>
         <p:blipFill>
-          <a:blip r:embed="rId6">
+          <a:blip r:embed="rId5">
             <a:extLst>
               <a:ext uri="{28A0092B-C50C-407E-A947-70E740481C1C}">
                 <a14:useLocalDpi xmlns:a14="http://schemas.microsoft.com/office/drawing/2010/main" val="0"/>
@@ -3665,8 +3980,8 @@
         </p:blipFill>
         <p:spPr bwMode="auto">
           <a:xfrm>
-            <a:off x="5010381" y="1054866"/>
-            <a:ext cx="575171" cy="575171"/>
+            <a:off x="4651946" y="107117"/>
+            <a:ext cx="1444826" cy="1444826"/>
           </a:xfrm>
           <a:prstGeom prst="rect">
             <a:avLst/>
@@ -3683,117 +3998,153 @@
           </a:extLst>
         </p:spPr>
       </p:pic>
-      <p:sp>
-        <p:nvSpPr>
-          <p:cNvPr id="8" name="TextBox 7">
-            <a:extLst>
-              <a:ext uri="{FF2B5EF4-FFF2-40B4-BE49-F238E27FC236}">
-                <a16:creationId xmlns:a16="http://schemas.microsoft.com/office/drawing/2014/main" id="{F19D305A-CDB7-64E1-19DC-D4EE7BB5E2F9}"/>
-              </a:ext>
-            </a:extLst>
-          </p:cNvPr>
-          <p:cNvSpPr txBox="1"/>
+      <p:pic>
+        <p:nvPicPr>
+          <p:cNvPr id="1030" name="Picture 6" descr="DeveloperTools AWS CodeBuild&quot; Icon - Download for free – Iconduck">
+            <a:extLst>
+              <a:ext uri="{FF2B5EF4-FFF2-40B4-BE49-F238E27FC236}">
+                <a16:creationId xmlns:a16="http://schemas.microsoft.com/office/drawing/2014/main" id="{B3B779A7-0623-A2C8-0EEB-EB45C7026AB7}"/>
+              </a:ext>
+            </a:extLst>
+          </p:cNvPr>
+          <p:cNvPicPr>
+            <a:picLocks noChangeAspect="1" noChangeArrowheads="1"/>
+          </p:cNvPicPr>
           <p:nvPr/>
-        </p:nvSpPr>
-        <p:spPr>
+        </p:nvPicPr>
+        <p:blipFill>
+          <a:blip r:embed="rId6">
+            <a:extLst>
+              <a:ext uri="{28A0092B-C50C-407E-A947-70E740481C1C}">
+                <a14:useLocalDpi xmlns:a14="http://schemas.microsoft.com/office/drawing/2010/main" val="0"/>
+              </a:ext>
+            </a:extLst>
+          </a:blip>
+          <a:srcRect/>
+          <a:stretch>
+            <a:fillRect/>
+          </a:stretch>
+        </p:blipFill>
+        <p:spPr bwMode="auto">
           <a:xfrm>
-            <a:off x="5543304" y="1121464"/>
-            <a:ext cx="1234056" cy="369332"/>
+            <a:off x="8840451" y="16804"/>
+            <a:ext cx="1274286" cy="1535139"/>
           </a:xfrm>
           <a:prstGeom prst="rect">
             <a:avLst/>
           </a:prstGeom>
           <a:noFill/>
-        </p:spPr>
-        <p:txBody>
-          <a:bodyPr wrap="none" rtlCol="0">
-            <a:spAutoFit/>
-          </a:bodyPr>
-          <a:lstStyle/>
-          <a:p>
-            <a:r>
-              <a:rPr lang="en-US" b="1" dirty="0"/>
-              <a:t>AWS Cloud</a:t>
-            </a:r>
-          </a:p>
-        </p:txBody>
-      </p:sp>
-      <p:sp>
-        <p:nvSpPr>
-          <p:cNvPr id="9" name="TextBox 8">
-            <a:extLst>
-              <a:ext uri="{FF2B5EF4-FFF2-40B4-BE49-F238E27FC236}">
-                <a16:creationId xmlns:a16="http://schemas.microsoft.com/office/drawing/2014/main" id="{6A5BF71A-ED13-4F48-6143-36A0A8EF530F}"/>
-              </a:ext>
-            </a:extLst>
-          </p:cNvPr>
-          <p:cNvSpPr txBox="1"/>
+          <a:extLst>
+            <a:ext uri="{909E8E84-426E-40DD-AFC4-6F175D3DCCD1}">
+              <a14:hiddenFill xmlns:a14="http://schemas.microsoft.com/office/drawing/2010/main">
+                <a:solidFill>
+                  <a:srgbClr val="FFFFFF"/>
+                </a:solidFill>
+              </a14:hiddenFill>
+            </a:ext>
+          </a:extLst>
+        </p:spPr>
+      </p:pic>
+      <p:pic>
+        <p:nvPicPr>
+          <p:cNvPr id="14" name="Picture 8" descr="GitHub Actions · GitHub">
+            <a:extLst>
+              <a:ext uri="{FF2B5EF4-FFF2-40B4-BE49-F238E27FC236}">
+                <a16:creationId xmlns:a16="http://schemas.microsoft.com/office/drawing/2014/main" id="{D7794C45-7F1C-04C5-B415-910C6ED8F92E}"/>
+              </a:ext>
+            </a:extLst>
+          </p:cNvPr>
+          <p:cNvPicPr>
+            <a:picLocks noChangeAspect="1" noChangeArrowheads="1"/>
+          </p:cNvPicPr>
           <p:nvPr/>
-        </p:nvSpPr>
-        <p:spPr>
+        </p:nvPicPr>
+        <p:blipFill>
+          <a:blip r:embed="rId7">
+            <a:extLst>
+              <a:ext uri="{28A0092B-C50C-407E-A947-70E740481C1C}">
+                <a14:useLocalDpi xmlns:a14="http://schemas.microsoft.com/office/drawing/2010/main" val="0"/>
+              </a:ext>
+            </a:extLst>
+          </a:blip>
+          <a:srcRect/>
+          <a:stretch>
+            <a:fillRect/>
+          </a:stretch>
+        </p:blipFill>
+        <p:spPr bwMode="auto">
           <a:xfrm>
-            <a:off x="6321433" y="5151696"/>
-            <a:ext cx="911853" cy="369332"/>
+            <a:off x="4468709" y="2353956"/>
+            <a:ext cx="1512715" cy="1512715"/>
           </a:xfrm>
           <a:prstGeom prst="rect">
             <a:avLst/>
           </a:prstGeom>
           <a:noFill/>
-        </p:spPr>
-        <p:txBody>
-          <a:bodyPr wrap="none" rtlCol="0">
-            <a:spAutoFit/>
-          </a:bodyPr>
-          <a:lstStyle/>
-          <a:p>
-            <a:r>
-              <a:rPr lang="en-US" b="1" dirty="0"/>
-              <a:t>AWS S3</a:t>
-            </a:r>
-          </a:p>
-        </p:txBody>
-      </p:sp>
-      <p:sp>
-        <p:nvSpPr>
-          <p:cNvPr id="10" name="TextBox 9">
-            <a:extLst>
-              <a:ext uri="{FF2B5EF4-FFF2-40B4-BE49-F238E27FC236}">
-                <a16:creationId xmlns:a16="http://schemas.microsoft.com/office/drawing/2014/main" id="{601FD6BE-3BE1-2D48-7125-6527A7E1C629}"/>
-              </a:ext>
-            </a:extLst>
-          </p:cNvPr>
-          <p:cNvSpPr txBox="1"/>
+          <a:extLst>
+            <a:ext uri="{909E8E84-426E-40DD-AFC4-6F175D3DCCD1}">
+              <a14:hiddenFill xmlns:a14="http://schemas.microsoft.com/office/drawing/2010/main">
+                <a:solidFill>
+                  <a:srgbClr val="FFFFFF"/>
+                </a:solidFill>
+              </a14:hiddenFill>
+            </a:ext>
+          </a:extLst>
+        </p:spPr>
+      </p:pic>
+      <p:pic>
+        <p:nvPicPr>
+          <p:cNvPr id="15" name="Picture 4" descr="Request: Amazon S3 · Issue #2687 · simple-icons/simple-icons · GitHub">
+            <a:extLst>
+              <a:ext uri="{FF2B5EF4-FFF2-40B4-BE49-F238E27FC236}">
+                <a16:creationId xmlns:a16="http://schemas.microsoft.com/office/drawing/2014/main" id="{C8285C07-FFA2-8DB2-BB2E-1713FC3E7624}"/>
+              </a:ext>
+            </a:extLst>
+          </p:cNvPr>
+          <p:cNvPicPr>
+            <a:picLocks noChangeAspect="1" noChangeArrowheads="1"/>
+          </p:cNvPicPr>
           <p:nvPr/>
-        </p:nvSpPr>
-        <p:spPr>
+        </p:nvPicPr>
+        <p:blipFill>
+          <a:blip r:embed="rId3">
+            <a:extLst>
+              <a:ext uri="{28A0092B-C50C-407E-A947-70E740481C1C}">
+                <a14:useLocalDpi xmlns:a14="http://schemas.microsoft.com/office/drawing/2010/main" val="0"/>
+              </a:ext>
+            </a:extLst>
+          </a:blip>
+          <a:srcRect/>
+          <a:stretch>
+            <a:fillRect/>
+          </a:stretch>
+        </p:blipFill>
+        <p:spPr bwMode="auto">
           <a:xfrm>
-            <a:off x="9480642" y="5151696"/>
-            <a:ext cx="966355" cy="369332"/>
+            <a:off x="8841794" y="2595066"/>
+            <a:ext cx="1287033" cy="1558292"/>
           </a:xfrm>
           <a:prstGeom prst="rect">
             <a:avLst/>
           </a:prstGeom>
           <a:noFill/>
-        </p:spPr>
-        <p:txBody>
-          <a:bodyPr wrap="none" rtlCol="0">
-            <a:spAutoFit/>
-          </a:bodyPr>
-          <a:lstStyle/>
-          <a:p>
-            <a:r>
-              <a:rPr lang="en-US" b="1" dirty="0"/>
-              <a:t>AWS CLI</a:t>
-            </a:r>
-          </a:p>
-        </p:txBody>
-      </p:sp>
-      <p:sp>
-        <p:nvSpPr>
-          <p:cNvPr id="11" name="TextBox 10">
-            <a:extLst>
-              <a:ext uri="{FF2B5EF4-FFF2-40B4-BE49-F238E27FC236}">
-                <a16:creationId xmlns:a16="http://schemas.microsoft.com/office/drawing/2014/main" id="{7ACC7E5A-5D6C-3E0D-3189-A91BED7A15D8}"/>
+          <a:extLst>
+            <a:ext uri="{909E8E84-426E-40DD-AFC4-6F175D3DCCD1}">
+              <a14:hiddenFill xmlns:a14="http://schemas.microsoft.com/office/drawing/2010/main">
+                <a:solidFill>
+                  <a:srgbClr val="FFFFFF"/>
+                </a:solidFill>
+              </a14:hiddenFill>
+            </a:ext>
+          </a:extLst>
+        </p:spPr>
+      </p:pic>
+      <p:sp>
+        <p:nvSpPr>
+          <p:cNvPr id="16" name="TextBox 15">
+            <a:extLst>
+              <a:ext uri="{FF2B5EF4-FFF2-40B4-BE49-F238E27FC236}">
+                <a16:creationId xmlns:a16="http://schemas.microsoft.com/office/drawing/2014/main" id="{48771E1A-AA1F-8AA3-0C97-219C3612CE78}"/>
               </a:ext>
             </a:extLst>
           </p:cNvPr>
@@ -3802,8 +4153,8 @@
         </p:nvSpPr>
         <p:spPr>
           <a:xfrm>
-            <a:off x="393582" y="6039998"/>
-            <a:ext cx="4316246" cy="677108"/>
+            <a:off x="9043701" y="4174798"/>
+            <a:ext cx="911853" cy="369332"/>
           </a:xfrm>
           <a:prstGeom prst="rect">
             <a:avLst/>
@@ -3817,37 +4168,142 @@
           <a:lstStyle/>
           <a:p>
             <a:r>
-              <a:rPr lang="en-US" sz="2000" b="1" dirty="0"/>
-              <a:t>Amplify: Nintendo Game Boy Emulator</a:t>
-            </a:r>
-          </a:p>
-          <a:p>
-            <a:endParaRPr lang="en-US" dirty="0"/>
+              <a:rPr lang="en-US" b="1" dirty="0"/>
+              <a:t>AWS S3</a:t>
+            </a:r>
+          </a:p>
+        </p:txBody>
+      </p:sp>
+      <p:sp>
+        <p:nvSpPr>
+          <p:cNvPr id="17" name="TextBox 16">
+            <a:extLst>
+              <a:ext uri="{FF2B5EF4-FFF2-40B4-BE49-F238E27FC236}">
+                <a16:creationId xmlns:a16="http://schemas.microsoft.com/office/drawing/2014/main" id="{A23DE021-CC61-F158-90C6-DA7029A19ABE}"/>
+              </a:ext>
+            </a:extLst>
+          </p:cNvPr>
+          <p:cNvSpPr txBox="1"/>
+          <p:nvPr/>
+        </p:nvSpPr>
+        <p:spPr>
+          <a:xfrm>
+            <a:off x="4619711" y="3866919"/>
+            <a:ext cx="1624163" cy="369332"/>
+          </a:xfrm>
+          <a:prstGeom prst="rect">
+            <a:avLst/>
+          </a:prstGeom>
+          <a:noFill/>
+        </p:spPr>
+        <p:txBody>
+          <a:bodyPr wrap="none" rtlCol="0">
+            <a:spAutoFit/>
+          </a:bodyPr>
+          <a:lstStyle/>
+          <a:p>
+            <a:r>
+              <a:rPr lang="en-US" b="1" dirty="0"/>
+              <a:t>GitHub Actions</a:t>
+            </a:r>
+          </a:p>
+        </p:txBody>
+      </p:sp>
+      <p:sp>
+        <p:nvSpPr>
+          <p:cNvPr id="18" name="TextBox 17">
+            <a:extLst>
+              <a:ext uri="{FF2B5EF4-FFF2-40B4-BE49-F238E27FC236}">
+                <a16:creationId xmlns:a16="http://schemas.microsoft.com/office/drawing/2014/main" id="{BB402678-1CE0-5401-BED5-315B24E65473}"/>
+              </a:ext>
+            </a:extLst>
+          </p:cNvPr>
+          <p:cNvSpPr txBox="1"/>
+          <p:nvPr/>
+        </p:nvSpPr>
+        <p:spPr>
+          <a:xfrm>
+            <a:off x="8835456" y="1632048"/>
+            <a:ext cx="1289327" cy="369332"/>
+          </a:xfrm>
+          <a:prstGeom prst="rect">
+            <a:avLst/>
+          </a:prstGeom>
+          <a:noFill/>
+        </p:spPr>
+        <p:txBody>
+          <a:bodyPr wrap="none" rtlCol="0">
+            <a:spAutoFit/>
+          </a:bodyPr>
+          <a:lstStyle/>
+          <a:p>
+            <a:r>
+              <a:rPr lang="en-US" b="1" dirty="0"/>
+              <a:t>Build Agent</a:t>
+            </a:r>
+          </a:p>
+        </p:txBody>
+      </p:sp>
+      <p:sp>
+        <p:nvSpPr>
+          <p:cNvPr id="21" name="TextBox 20">
+            <a:extLst>
+              <a:ext uri="{FF2B5EF4-FFF2-40B4-BE49-F238E27FC236}">
+                <a16:creationId xmlns:a16="http://schemas.microsoft.com/office/drawing/2014/main" id="{6F2B32BF-1251-9482-8595-E1AEF8067D39}"/>
+              </a:ext>
+            </a:extLst>
+          </p:cNvPr>
+          <p:cNvSpPr txBox="1"/>
+          <p:nvPr/>
+        </p:nvSpPr>
+        <p:spPr>
+          <a:xfrm>
+            <a:off x="4912269" y="1642316"/>
+            <a:ext cx="861133" cy="369332"/>
+          </a:xfrm>
+          <a:prstGeom prst="rect">
+            <a:avLst/>
+          </a:prstGeom>
+          <a:noFill/>
+        </p:spPr>
+        <p:txBody>
+          <a:bodyPr wrap="none" rtlCol="0">
+            <a:spAutoFit/>
+          </a:bodyPr>
+          <a:lstStyle/>
+          <a:p>
+            <a:r>
+              <a:rPr lang="en-US" b="1" dirty="0"/>
+              <a:t>GitHub</a:t>
+            </a:r>
           </a:p>
         </p:txBody>
       </p:sp>
       <p:cxnSp>
         <p:nvCxnSpPr>
-          <p:cNvPr id="13" name="Straight Connector 12">
-            <a:extLst>
-              <a:ext uri="{FF2B5EF4-FFF2-40B4-BE49-F238E27FC236}">
-                <a16:creationId xmlns:a16="http://schemas.microsoft.com/office/drawing/2014/main" id="{A66B3AAE-5D2F-3986-362B-C0F02D3EEBEC}"/>
+          <p:cNvPr id="23" name="Straight Arrow Connector 22">
+            <a:extLst>
+              <a:ext uri="{FF2B5EF4-FFF2-40B4-BE49-F238E27FC236}">
+                <a16:creationId xmlns:a16="http://schemas.microsoft.com/office/drawing/2014/main" id="{96D1C9F8-93D7-AF45-520B-5F9532AFE799}"/>
               </a:ext>
             </a:extLst>
           </p:cNvPr>
           <p:cNvCxnSpPr>
-            <a:cxnSpLocks/>
+            <a:stCxn id="2" idx="3"/>
           </p:cNvCxnSpPr>
           <p:nvPr/>
         </p:nvCxnSpPr>
         <p:spPr>
-          <a:xfrm>
-            <a:off x="2666082" y="3547431"/>
-            <a:ext cx="2631884" cy="0"/>
-          </a:xfrm>
-          <a:prstGeom prst="line">
+          <a:xfrm flipV="1">
+            <a:off x="2037504" y="884614"/>
+            <a:ext cx="2377693" cy="1"/>
+          </a:xfrm>
+          <a:prstGeom prst="straightConnector1">
             <a:avLst/>
           </a:prstGeom>
+          <a:ln>
+            <a:tailEnd type="triangle"/>
+          </a:ln>
         </p:spPr>
         <p:style>
           <a:lnRef idx="1">
@@ -3866,20 +4322,22 @@
       </p:cxnSp>
       <p:cxnSp>
         <p:nvCxnSpPr>
-          <p:cNvPr id="19" name="Straight Arrow Connector 18">
-            <a:extLst>
-              <a:ext uri="{FF2B5EF4-FFF2-40B4-BE49-F238E27FC236}">
-                <a16:creationId xmlns:a16="http://schemas.microsoft.com/office/drawing/2014/main" id="{4F9B25D7-5CB7-E684-DBE2-FAA4C9098FF0}"/>
-              </a:ext>
-            </a:extLst>
-          </p:cNvPr>
-          <p:cNvCxnSpPr/>
+          <p:cNvPr id="25" name="Straight Arrow Connector 24">
+            <a:extLst>
+              <a:ext uri="{FF2B5EF4-FFF2-40B4-BE49-F238E27FC236}">
+                <a16:creationId xmlns:a16="http://schemas.microsoft.com/office/drawing/2014/main" id="{5F418B4D-A1E6-1399-809D-3F49927AD315}"/>
+              </a:ext>
+            </a:extLst>
+          </p:cNvPr>
+          <p:cNvCxnSpPr>
+            <a:cxnSpLocks/>
+          </p:cNvCxnSpPr>
           <p:nvPr/>
         </p:nvCxnSpPr>
         <p:spPr>
           <a:xfrm>
-            <a:off x="7921127" y="3536414"/>
-            <a:ext cx="782198" cy="0"/>
+            <a:off x="5342836" y="2011648"/>
+            <a:ext cx="31523" cy="731552"/>
           </a:xfrm>
           <a:prstGeom prst="straightConnector1">
             <a:avLst/>
@@ -3903,6 +4361,444 @@
           </a:fontRef>
         </p:style>
       </p:cxnSp>
+      <p:cxnSp>
+        <p:nvCxnSpPr>
+          <p:cNvPr id="28" name="Straight Arrow Connector 27">
+            <a:extLst>
+              <a:ext uri="{FF2B5EF4-FFF2-40B4-BE49-F238E27FC236}">
+                <a16:creationId xmlns:a16="http://schemas.microsoft.com/office/drawing/2014/main" id="{CDC18E00-775E-0999-807D-F7EBE2057E50}"/>
+              </a:ext>
+            </a:extLst>
+          </p:cNvPr>
+          <p:cNvCxnSpPr/>
+          <p:nvPr/>
+        </p:nvCxnSpPr>
+        <p:spPr>
+          <a:xfrm>
+            <a:off x="5427918" y="4164375"/>
+            <a:ext cx="0" cy="398452"/>
+          </a:xfrm>
+          <a:prstGeom prst="straightConnector1">
+            <a:avLst/>
+          </a:prstGeom>
+          <a:ln>
+            <a:tailEnd type="triangle"/>
+          </a:ln>
+        </p:spPr>
+        <p:style>
+          <a:lnRef idx="1">
+            <a:schemeClr val="dk1"/>
+          </a:lnRef>
+          <a:fillRef idx="0">
+            <a:schemeClr val="dk1"/>
+          </a:fillRef>
+          <a:effectRef idx="0">
+            <a:schemeClr val="dk1"/>
+          </a:effectRef>
+          <a:fontRef idx="minor">
+            <a:schemeClr val="tx1"/>
+          </a:fontRef>
+        </p:style>
+      </p:cxnSp>
+      <p:cxnSp>
+        <p:nvCxnSpPr>
+          <p:cNvPr id="29" name="Straight Arrow Connector 28">
+            <a:extLst>
+              <a:ext uri="{FF2B5EF4-FFF2-40B4-BE49-F238E27FC236}">
+                <a16:creationId xmlns:a16="http://schemas.microsoft.com/office/drawing/2014/main" id="{1096A8BC-9B96-AAA2-82EB-AB96F29F7CF9}"/>
+              </a:ext>
+            </a:extLst>
+          </p:cNvPr>
+          <p:cNvCxnSpPr/>
+          <p:nvPr/>
+        </p:nvCxnSpPr>
+        <p:spPr>
+          <a:xfrm>
+            <a:off x="9524933" y="4516330"/>
+            <a:ext cx="0" cy="398452"/>
+          </a:xfrm>
+          <a:prstGeom prst="straightConnector1">
+            <a:avLst/>
+          </a:prstGeom>
+          <a:ln>
+            <a:tailEnd type="triangle"/>
+          </a:ln>
+        </p:spPr>
+        <p:style>
+          <a:lnRef idx="1">
+            <a:schemeClr val="dk1"/>
+          </a:lnRef>
+          <a:fillRef idx="0">
+            <a:schemeClr val="dk1"/>
+          </a:fillRef>
+          <a:effectRef idx="0">
+            <a:schemeClr val="dk1"/>
+          </a:effectRef>
+          <a:fontRef idx="minor">
+            <a:schemeClr val="tx1"/>
+          </a:fontRef>
+        </p:style>
+      </p:cxnSp>
+      <p:cxnSp>
+        <p:nvCxnSpPr>
+          <p:cNvPr id="30" name="Straight Arrow Connector 29">
+            <a:extLst>
+              <a:ext uri="{FF2B5EF4-FFF2-40B4-BE49-F238E27FC236}">
+                <a16:creationId xmlns:a16="http://schemas.microsoft.com/office/drawing/2014/main" id="{F3735AB1-2DE4-C577-BB54-9FBDA9995235}"/>
+              </a:ext>
+            </a:extLst>
+          </p:cNvPr>
+          <p:cNvCxnSpPr/>
+          <p:nvPr/>
+        </p:nvCxnSpPr>
+        <p:spPr>
+          <a:xfrm>
+            <a:off x="9477593" y="2034431"/>
+            <a:ext cx="0" cy="398452"/>
+          </a:xfrm>
+          <a:prstGeom prst="straightConnector1">
+            <a:avLst/>
+          </a:prstGeom>
+          <a:ln>
+            <a:tailEnd type="triangle"/>
+          </a:ln>
+        </p:spPr>
+        <p:style>
+          <a:lnRef idx="1">
+            <a:schemeClr val="dk1"/>
+          </a:lnRef>
+          <a:fillRef idx="0">
+            <a:schemeClr val="dk1"/>
+          </a:fillRef>
+          <a:effectRef idx="0">
+            <a:schemeClr val="dk1"/>
+          </a:effectRef>
+          <a:fontRef idx="minor">
+            <a:schemeClr val="tx1"/>
+          </a:fontRef>
+        </p:style>
+      </p:cxnSp>
+      <p:cxnSp>
+        <p:nvCxnSpPr>
+          <p:cNvPr id="36" name="Straight Arrow Connector 35">
+            <a:extLst>
+              <a:ext uri="{FF2B5EF4-FFF2-40B4-BE49-F238E27FC236}">
+                <a16:creationId xmlns:a16="http://schemas.microsoft.com/office/drawing/2014/main" id="{32BB86C9-5DDA-1527-BEFC-DABECA8AD5E2}"/>
+              </a:ext>
+            </a:extLst>
+          </p:cNvPr>
+          <p:cNvCxnSpPr/>
+          <p:nvPr/>
+        </p:nvCxnSpPr>
+        <p:spPr>
+          <a:xfrm flipH="1">
+            <a:off x="6334699" y="829530"/>
+            <a:ext cx="2313468" cy="0"/>
+          </a:xfrm>
+          <a:prstGeom prst="straightConnector1">
+            <a:avLst/>
+          </a:prstGeom>
+          <a:ln>
+            <a:tailEnd type="triangle"/>
+          </a:ln>
+        </p:spPr>
+        <p:style>
+          <a:lnRef idx="1">
+            <a:schemeClr val="dk1"/>
+          </a:lnRef>
+          <a:fillRef idx="0">
+            <a:schemeClr val="dk1"/>
+          </a:fillRef>
+          <a:effectRef idx="0">
+            <a:schemeClr val="dk1"/>
+          </a:effectRef>
+          <a:fontRef idx="minor">
+            <a:schemeClr val="tx1"/>
+          </a:fontRef>
+        </p:style>
+      </p:cxnSp>
+      <p:cxnSp>
+        <p:nvCxnSpPr>
+          <p:cNvPr id="38" name="Straight Connector 37">
+            <a:extLst>
+              <a:ext uri="{FF2B5EF4-FFF2-40B4-BE49-F238E27FC236}">
+                <a16:creationId xmlns:a16="http://schemas.microsoft.com/office/drawing/2014/main" id="{60149D3E-A51B-9E0F-08F6-7E662EDCB6D0}"/>
+              </a:ext>
+            </a:extLst>
+          </p:cNvPr>
+          <p:cNvCxnSpPr/>
+          <p:nvPr/>
+        </p:nvCxnSpPr>
+        <p:spPr>
+          <a:xfrm flipH="1">
+            <a:off x="6243874" y="3374212"/>
+            <a:ext cx="2316232" cy="0"/>
+          </a:xfrm>
+          <a:prstGeom prst="line">
+            <a:avLst/>
+          </a:prstGeom>
+        </p:spPr>
+        <p:style>
+          <a:lnRef idx="1">
+            <a:schemeClr val="dk1"/>
+          </a:lnRef>
+          <a:fillRef idx="0">
+            <a:schemeClr val="dk1"/>
+          </a:fillRef>
+          <a:effectRef idx="0">
+            <a:schemeClr val="dk1"/>
+          </a:effectRef>
+          <a:fontRef idx="minor">
+            <a:schemeClr val="tx1"/>
+          </a:fontRef>
+        </p:style>
+      </p:cxnSp>
+      <p:cxnSp>
+        <p:nvCxnSpPr>
+          <p:cNvPr id="39" name="Straight Connector 38">
+            <a:extLst>
+              <a:ext uri="{FF2B5EF4-FFF2-40B4-BE49-F238E27FC236}">
+                <a16:creationId xmlns:a16="http://schemas.microsoft.com/office/drawing/2014/main" id="{7E052C35-E833-A22E-3F84-10C449E88000}"/>
+              </a:ext>
+            </a:extLst>
+          </p:cNvPr>
+          <p:cNvCxnSpPr/>
+          <p:nvPr/>
+        </p:nvCxnSpPr>
+        <p:spPr>
+          <a:xfrm flipH="1">
+            <a:off x="6331935" y="5557061"/>
+            <a:ext cx="2316232" cy="0"/>
+          </a:xfrm>
+          <a:prstGeom prst="line">
+            <a:avLst/>
+          </a:prstGeom>
+        </p:spPr>
+        <p:style>
+          <a:lnRef idx="1">
+            <a:schemeClr val="dk1"/>
+          </a:lnRef>
+          <a:fillRef idx="0">
+            <a:schemeClr val="dk1"/>
+          </a:fillRef>
+          <a:effectRef idx="0">
+            <a:schemeClr val="dk1"/>
+          </a:effectRef>
+          <a:fontRef idx="minor">
+            <a:schemeClr val="tx1"/>
+          </a:fontRef>
+        </p:style>
+      </p:cxnSp>
+      <p:sp>
+        <p:nvSpPr>
+          <p:cNvPr id="40" name="TextBox 39">
+            <a:extLst>
+              <a:ext uri="{FF2B5EF4-FFF2-40B4-BE49-F238E27FC236}">
+                <a16:creationId xmlns:a16="http://schemas.microsoft.com/office/drawing/2014/main" id="{DA8A25B1-B259-451B-E4F3-9AB828E4E049}"/>
+              </a:ext>
+            </a:extLst>
+          </p:cNvPr>
+          <p:cNvSpPr txBox="1"/>
+          <p:nvPr/>
+        </p:nvSpPr>
+        <p:spPr>
+          <a:xfrm>
+            <a:off x="7069999" y="1002891"/>
+            <a:ext cx="880369" cy="369332"/>
+          </a:xfrm>
+          <a:prstGeom prst="rect">
+            <a:avLst/>
+          </a:prstGeom>
+          <a:noFill/>
+        </p:spPr>
+        <p:txBody>
+          <a:bodyPr wrap="none" rtlCol="0">
+            <a:spAutoFit/>
+          </a:bodyPr>
+          <a:lstStyle/>
+          <a:p>
+            <a:r>
+              <a:rPr lang="en-US" b="1" dirty="0"/>
+              <a:t>Pull Git</a:t>
+            </a:r>
+          </a:p>
+        </p:txBody>
+      </p:sp>
+      <p:sp>
+        <p:nvSpPr>
+          <p:cNvPr id="41" name="TextBox 40">
+            <a:extLst>
+              <a:ext uri="{FF2B5EF4-FFF2-40B4-BE49-F238E27FC236}">
+                <a16:creationId xmlns:a16="http://schemas.microsoft.com/office/drawing/2014/main" id="{F0CAFAF9-17E1-DB32-6DFC-5D9E0C6223BA}"/>
+              </a:ext>
+            </a:extLst>
+          </p:cNvPr>
+          <p:cNvSpPr txBox="1"/>
+          <p:nvPr/>
+        </p:nvSpPr>
+        <p:spPr>
+          <a:xfrm>
+            <a:off x="7060285" y="321431"/>
+            <a:ext cx="880369" cy="369332"/>
+          </a:xfrm>
+          <a:prstGeom prst="rect">
+            <a:avLst/>
+          </a:prstGeom>
+          <a:noFill/>
+        </p:spPr>
+        <p:txBody>
+          <a:bodyPr wrap="none" rtlCol="0">
+            <a:spAutoFit/>
+          </a:bodyPr>
+          <a:lstStyle/>
+          <a:p>
+            <a:r>
+              <a:rPr lang="en-US" b="1" dirty="0"/>
+              <a:t>Git Pull</a:t>
+            </a:r>
+          </a:p>
+        </p:txBody>
+      </p:sp>
+      <p:sp>
+        <p:nvSpPr>
+          <p:cNvPr id="42" name="TextBox 41">
+            <a:extLst>
+              <a:ext uri="{FF2B5EF4-FFF2-40B4-BE49-F238E27FC236}">
+                <a16:creationId xmlns:a16="http://schemas.microsoft.com/office/drawing/2014/main" id="{41B591CD-AC47-4338-A3B6-35FC1DEB0A39}"/>
+              </a:ext>
+            </a:extLst>
+          </p:cNvPr>
+          <p:cNvSpPr txBox="1"/>
+          <p:nvPr/>
+        </p:nvSpPr>
+        <p:spPr>
+          <a:xfrm>
+            <a:off x="2697430" y="1028739"/>
+            <a:ext cx="1195648" cy="369332"/>
+          </a:xfrm>
+          <a:prstGeom prst="rect">
+            <a:avLst/>
+          </a:prstGeom>
+          <a:noFill/>
+        </p:spPr>
+        <p:txBody>
+          <a:bodyPr wrap="none" rtlCol="0">
+            <a:spAutoFit/>
+          </a:bodyPr>
+          <a:lstStyle/>
+          <a:p>
+            <a:r>
+              <a:rPr lang="en-US" b="1" dirty="0"/>
+              <a:t>Webhooks</a:t>
+            </a:r>
+          </a:p>
+        </p:txBody>
+      </p:sp>
+      <p:sp>
+        <p:nvSpPr>
+          <p:cNvPr id="43" name="TextBox 42">
+            <a:extLst>
+              <a:ext uri="{FF2B5EF4-FFF2-40B4-BE49-F238E27FC236}">
+                <a16:creationId xmlns:a16="http://schemas.microsoft.com/office/drawing/2014/main" id="{F341EC58-5AE5-BA6E-11B3-F36BDC991A0C}"/>
+              </a:ext>
+            </a:extLst>
+          </p:cNvPr>
+          <p:cNvSpPr txBox="1"/>
+          <p:nvPr/>
+        </p:nvSpPr>
+        <p:spPr>
+          <a:xfrm>
+            <a:off x="2796584" y="321431"/>
+            <a:ext cx="982961" cy="369332"/>
+          </a:xfrm>
+          <a:prstGeom prst="rect">
+            <a:avLst/>
+          </a:prstGeom>
+          <a:noFill/>
+        </p:spPr>
+        <p:txBody>
+          <a:bodyPr wrap="none" rtlCol="0">
+            <a:spAutoFit/>
+          </a:bodyPr>
+          <a:lstStyle/>
+          <a:p>
+            <a:r>
+              <a:rPr lang="en-US" b="1" dirty="0"/>
+              <a:t>Push Git</a:t>
+            </a:r>
+          </a:p>
+        </p:txBody>
+      </p:sp>
+      <p:sp>
+        <p:nvSpPr>
+          <p:cNvPr id="44" name="TextBox 43">
+            <a:extLst>
+              <a:ext uri="{FF2B5EF4-FFF2-40B4-BE49-F238E27FC236}">
+                <a16:creationId xmlns:a16="http://schemas.microsoft.com/office/drawing/2014/main" id="{C70B8DA3-CB87-8E66-0A81-66DC2C5E553B}"/>
+              </a:ext>
+            </a:extLst>
+          </p:cNvPr>
+          <p:cNvSpPr txBox="1"/>
+          <p:nvPr/>
+        </p:nvSpPr>
+        <p:spPr>
+          <a:xfrm>
+            <a:off x="6853852" y="4246197"/>
+            <a:ext cx="1362361" cy="369332"/>
+          </a:xfrm>
+          <a:prstGeom prst="rect">
+            <a:avLst/>
+          </a:prstGeom>
+          <a:noFill/>
+        </p:spPr>
+        <p:txBody>
+          <a:bodyPr wrap="none" rtlCol="0">
+            <a:spAutoFit/>
+          </a:bodyPr>
+          <a:lstStyle/>
+          <a:p>
+            <a:r>
+              <a:rPr lang="en-US" b="1" dirty="0"/>
+              <a:t>Deployment</a:t>
+            </a:r>
+          </a:p>
+        </p:txBody>
+      </p:sp>
+      <p:sp>
+        <p:nvSpPr>
+          <p:cNvPr id="45" name="TextBox 44">
+            <a:extLst>
+              <a:ext uri="{FF2B5EF4-FFF2-40B4-BE49-F238E27FC236}">
+                <a16:creationId xmlns:a16="http://schemas.microsoft.com/office/drawing/2014/main" id="{B5F30CDF-D2F3-9A01-D183-D2F759A5CB9B}"/>
+              </a:ext>
+            </a:extLst>
+          </p:cNvPr>
+          <p:cNvSpPr txBox="1"/>
+          <p:nvPr/>
+        </p:nvSpPr>
+        <p:spPr>
+          <a:xfrm>
+            <a:off x="6795334" y="1864240"/>
+            <a:ext cx="1319528" cy="369332"/>
+          </a:xfrm>
+          <a:prstGeom prst="rect">
+            <a:avLst/>
+          </a:prstGeom>
+          <a:noFill/>
+        </p:spPr>
+        <p:txBody>
+          <a:bodyPr wrap="none" rtlCol="0">
+            <a:spAutoFit/>
+          </a:bodyPr>
+          <a:lstStyle/>
+          <a:p>
+            <a:r>
+              <a:rPr lang="en-US" b="1" dirty="0"/>
+              <a:t>Build &amp; Test</a:t>
+            </a:r>
+          </a:p>
+        </p:txBody>
+      </p:sp>
     </p:spTree>
     <p:extLst>
       <p:ext uri="{BB962C8B-B14F-4D97-AF65-F5344CB8AC3E}">
